--- a/IconEditor/macOS.pptx
+++ b/IconEditor/macOS.pptx
@@ -272,7 +272,7 @@
           <a:p>
             <a:fld id="{963033C0-5CE6-43B5-824E-825800F4D89A}" type="datetimeFigureOut">
               <a:rPr lang="zh-CN" altLang="en-US" smtClean="0"/>
-              <a:t>2023-5-3</a:t>
+              <a:t>2023-7-30</a:t>
             </a:fld>
             <a:endParaRPr lang="zh-CN" altLang="en-US"/>
           </a:p>
@@ -2430,7 +2430,7 @@
           <a:p>
             <a:fld id="{6786A9BE-9AB0-4816-9C4A-E57E7110ABF7}" type="datetimeFigureOut">
               <a:rPr lang="zh-CN" altLang="en-US" smtClean="0"/>
-              <a:t>2023-5-3</a:t>
+              <a:t>2023-7-30</a:t>
             </a:fld>
             <a:endParaRPr lang="zh-CN" altLang="en-US"/>
           </a:p>
@@ -2600,7 +2600,7 @@
           <a:p>
             <a:fld id="{6786A9BE-9AB0-4816-9C4A-E57E7110ABF7}" type="datetimeFigureOut">
               <a:rPr lang="zh-CN" altLang="en-US" smtClean="0"/>
-              <a:t>2023-5-3</a:t>
+              <a:t>2023-7-30</a:t>
             </a:fld>
             <a:endParaRPr lang="zh-CN" altLang="en-US"/>
           </a:p>
@@ -2780,7 +2780,7 @@
           <a:p>
             <a:fld id="{6786A9BE-9AB0-4816-9C4A-E57E7110ABF7}" type="datetimeFigureOut">
               <a:rPr lang="zh-CN" altLang="en-US" smtClean="0"/>
-              <a:t>2023-5-3</a:t>
+              <a:t>2023-7-30</a:t>
             </a:fld>
             <a:endParaRPr lang="zh-CN" altLang="en-US"/>
           </a:p>
@@ -2950,7 +2950,7 @@
           <a:p>
             <a:fld id="{6786A9BE-9AB0-4816-9C4A-E57E7110ABF7}" type="datetimeFigureOut">
               <a:rPr lang="zh-CN" altLang="en-US" smtClean="0"/>
-              <a:t>2023-5-3</a:t>
+              <a:t>2023-7-30</a:t>
             </a:fld>
             <a:endParaRPr lang="zh-CN" altLang="en-US"/>
           </a:p>
@@ -3194,7 +3194,7 @@
           <a:p>
             <a:fld id="{6786A9BE-9AB0-4816-9C4A-E57E7110ABF7}" type="datetimeFigureOut">
               <a:rPr lang="zh-CN" altLang="en-US" smtClean="0"/>
-              <a:t>2023-5-3</a:t>
+              <a:t>2023-7-30</a:t>
             </a:fld>
             <a:endParaRPr lang="zh-CN" altLang="en-US"/>
           </a:p>
@@ -3426,7 +3426,7 @@
           <a:p>
             <a:fld id="{6786A9BE-9AB0-4816-9C4A-E57E7110ABF7}" type="datetimeFigureOut">
               <a:rPr lang="zh-CN" altLang="en-US" smtClean="0"/>
-              <a:t>2023-5-3</a:t>
+              <a:t>2023-7-30</a:t>
             </a:fld>
             <a:endParaRPr lang="zh-CN" altLang="en-US"/>
           </a:p>
@@ -3793,7 +3793,7 @@
           <a:p>
             <a:fld id="{6786A9BE-9AB0-4816-9C4A-E57E7110ABF7}" type="datetimeFigureOut">
               <a:rPr lang="zh-CN" altLang="en-US" smtClean="0"/>
-              <a:t>2023-5-3</a:t>
+              <a:t>2023-7-30</a:t>
             </a:fld>
             <a:endParaRPr lang="zh-CN" altLang="en-US"/>
           </a:p>
@@ -3911,7 +3911,7 @@
           <a:p>
             <a:fld id="{6786A9BE-9AB0-4816-9C4A-E57E7110ABF7}" type="datetimeFigureOut">
               <a:rPr lang="zh-CN" altLang="en-US" smtClean="0"/>
-              <a:t>2023-5-3</a:t>
+              <a:t>2023-7-30</a:t>
             </a:fld>
             <a:endParaRPr lang="zh-CN" altLang="en-US"/>
           </a:p>
@@ -4006,7 +4006,7 @@
           <a:p>
             <a:fld id="{6786A9BE-9AB0-4816-9C4A-E57E7110ABF7}" type="datetimeFigureOut">
               <a:rPr lang="zh-CN" altLang="en-US" smtClean="0"/>
-              <a:t>2023-5-3</a:t>
+              <a:t>2023-7-30</a:t>
             </a:fld>
             <a:endParaRPr lang="zh-CN" altLang="en-US"/>
           </a:p>
@@ -4283,7 +4283,7 @@
           <a:p>
             <a:fld id="{6786A9BE-9AB0-4816-9C4A-E57E7110ABF7}" type="datetimeFigureOut">
               <a:rPr lang="zh-CN" altLang="en-US" smtClean="0"/>
-              <a:t>2023-5-3</a:t>
+              <a:t>2023-7-30</a:t>
             </a:fld>
             <a:endParaRPr lang="zh-CN" altLang="en-US"/>
           </a:p>
@@ -4540,7 +4540,7 @@
           <a:p>
             <a:fld id="{6786A9BE-9AB0-4816-9C4A-E57E7110ABF7}" type="datetimeFigureOut">
               <a:rPr lang="zh-CN" altLang="en-US" smtClean="0"/>
-              <a:t>2023-5-3</a:t>
+              <a:t>2023-7-30</a:t>
             </a:fld>
             <a:endParaRPr lang="zh-CN" altLang="en-US"/>
           </a:p>
@@ -4756,7 +4756,7 @@
           <a:p>
             <a:fld id="{6786A9BE-9AB0-4816-9C4A-E57E7110ABF7}" type="datetimeFigureOut">
               <a:rPr lang="zh-CN" altLang="en-US" smtClean="0"/>
-              <a:t>2023-5-3</a:t>
+              <a:t>2023-7-30</a:t>
             </a:fld>
             <a:endParaRPr lang="zh-CN" altLang="en-US"/>
           </a:p>
@@ -5247,8 +5247,8 @@
         </p:nvSpPr>
         <p:spPr>
           <a:xfrm>
-            <a:off x="-2310513" y="587565"/>
-            <a:ext cx="1436612" cy="261610"/>
+            <a:off x="-2019829" y="431307"/>
+            <a:ext cx="785792" cy="261610"/>
           </a:xfrm>
           <a:prstGeom prst="rect">
             <a:avLst/>
@@ -5268,7 +5268,7 @@
                   <a:srgbClr val="333333"/>
                 </a:solidFill>
               </a:rPr>
-              <a:t>booting on Macintosh</a:t>
+              <a:t>Macintosh</a:t>
             </a:r>
             <a:endParaRPr lang="zh-CN" altLang="en-US" sz="1100" dirty="0">
               <a:solidFill>
@@ -5322,10 +5322,10 @@
       </p:sp>
       <p:grpSp>
         <p:nvGrpSpPr>
-          <p:cNvPr id="14" name="组合 13">
+          <p:cNvPr id="7" name="组合 6">
             <a:extLst>
               <a:ext uri="{FF2B5EF4-FFF2-40B4-BE49-F238E27FC236}">
-                <a16:creationId xmlns:a16="http://schemas.microsoft.com/office/drawing/2014/main" id="{70B946D8-DC30-11E4-A3F1-F54D80BD1667}"/>
+                <a16:creationId xmlns:a16="http://schemas.microsoft.com/office/drawing/2014/main" id="{9A6A677E-02FC-011B-E7EE-2453003BC43F}"/>
               </a:ext>
             </a:extLst>
           </p:cNvPr>
@@ -5435,10 +5435,10 @@
         </p:pic>
         <p:pic>
           <p:nvPicPr>
-            <p:cNvPr id="10" name="图片 9">
+            <p:cNvPr id="2" name="图片 1">
               <a:extLst>
                 <a:ext uri="{FF2B5EF4-FFF2-40B4-BE49-F238E27FC236}">
-                  <a16:creationId xmlns:a16="http://schemas.microsoft.com/office/drawing/2014/main" id="{644976CD-333A-BD13-90BB-D1FD28030618}"/>
+                  <a16:creationId xmlns:a16="http://schemas.microsoft.com/office/drawing/2014/main" id="{A5526A82-F7E9-E21E-5F8F-762D991C3FD8}"/>
                 </a:ext>
               </a:extLst>
             </p:cNvPr>
@@ -5455,8 +5455,8 @@
           </p:blipFill>
           <p:spPr>
             <a:xfrm>
-              <a:off x="872800" y="2133574"/>
-              <a:ext cx="1438781" cy="304826"/>
+              <a:off x="1224426" y="2133574"/>
+              <a:ext cx="786452" cy="304826"/>
             </a:xfrm>
             <a:prstGeom prst="rect">
               <a:avLst/>
@@ -5658,10 +5658,10 @@
       </p:sp>
       <p:grpSp>
         <p:nvGrpSpPr>
-          <p:cNvPr id="13" name="组合 12">
+          <p:cNvPr id="6" name="组合 5">
             <a:extLst>
               <a:ext uri="{FF2B5EF4-FFF2-40B4-BE49-F238E27FC236}">
-                <a16:creationId xmlns:a16="http://schemas.microsoft.com/office/drawing/2014/main" id="{2B67CF25-2772-24DE-48C1-42E8AECE8261}"/>
+                <a16:creationId xmlns:a16="http://schemas.microsoft.com/office/drawing/2014/main" id="{670968A2-DCCD-1FA5-BE53-21768FB21DDE}"/>
               </a:ext>
             </a:extLst>
           </p:cNvPr>
@@ -5736,36 +5736,6 @@
         </p:pic>
         <p:pic>
           <p:nvPicPr>
-            <p:cNvPr id="4" name="图片 3">
-              <a:extLst>
-                <a:ext uri="{FF2B5EF4-FFF2-40B4-BE49-F238E27FC236}">
-                  <a16:creationId xmlns:a16="http://schemas.microsoft.com/office/drawing/2014/main" id="{899AB766-7B67-51B9-619B-9406ADF7E35C}"/>
-                </a:ext>
-              </a:extLst>
-            </p:cNvPr>
-            <p:cNvPicPr>
-              <a:picLocks noChangeAspect="1"/>
-            </p:cNvPicPr>
-            <p:nvPr/>
-          </p:nvPicPr>
-          <p:blipFill>
-            <a:blip r:embed="rId6"/>
-            <a:stretch>
-              <a:fillRect/>
-            </a:stretch>
-          </p:blipFill>
-          <p:spPr>
-            <a:xfrm>
-              <a:off x="903283" y="2133574"/>
-              <a:ext cx="1377815" cy="304826"/>
-            </a:xfrm>
-            <a:prstGeom prst="rect">
-              <a:avLst/>
-            </a:prstGeom>
-          </p:spPr>
-        </p:pic>
-        <p:pic>
-          <p:nvPicPr>
             <p:cNvPr id="12" name="图片 11">
               <a:extLst>
                 <a:ext uri="{FF2B5EF4-FFF2-40B4-BE49-F238E27FC236}">
@@ -5779,7 +5749,7 @@
             <p:nvPr/>
           </p:nvPicPr>
           <p:blipFill rotWithShape="1">
-            <a:blip r:embed="rId7"/>
+            <a:blip r:embed="rId6"/>
             <a:srcRect l="17751" t="24640" r="15643" b="38632"/>
             <a:stretch/>
           </p:blipFill>
@@ -5787,6 +5757,36 @@
             <a:xfrm>
               <a:off x="797900" y="1814963"/>
               <a:ext cx="1640500" cy="394083"/>
+            </a:xfrm>
+            <a:prstGeom prst="rect">
+              <a:avLst/>
+            </a:prstGeom>
+          </p:spPr>
+        </p:pic>
+        <p:pic>
+          <p:nvPicPr>
+            <p:cNvPr id="3" name="图片 2">
+              <a:extLst>
+                <a:ext uri="{FF2B5EF4-FFF2-40B4-BE49-F238E27FC236}">
+                  <a16:creationId xmlns:a16="http://schemas.microsoft.com/office/drawing/2014/main" id="{B396D7F0-D750-93CC-B3C4-DD37ED4BA86D}"/>
+                </a:ext>
+              </a:extLst>
+            </p:cNvPr>
+            <p:cNvPicPr>
+              <a:picLocks noChangeAspect="1"/>
+            </p:cNvPicPr>
+            <p:nvPr/>
+          </p:nvPicPr>
+          <p:blipFill>
+            <a:blip r:embed="rId7"/>
+            <a:stretch>
+              <a:fillRect/>
+            </a:stretch>
+          </p:blipFill>
+          <p:spPr>
+            <a:xfrm>
+              <a:off x="1237117" y="2133574"/>
+              <a:ext cx="762066" cy="304826"/>
             </a:xfrm>
             <a:prstGeom prst="rect">
               <a:avLst/>
@@ -5988,10 +5988,10 @@
       </p:sp>
       <p:grpSp>
         <p:nvGrpSpPr>
-          <p:cNvPr id="13" name="组合 12">
+          <p:cNvPr id="6" name="组合 5">
             <a:extLst>
               <a:ext uri="{FF2B5EF4-FFF2-40B4-BE49-F238E27FC236}">
-                <a16:creationId xmlns:a16="http://schemas.microsoft.com/office/drawing/2014/main" id="{667BC45C-5DC8-BD72-C59E-DF1619EBC550}"/>
+                <a16:creationId xmlns:a16="http://schemas.microsoft.com/office/drawing/2014/main" id="{FD252290-E3EC-7AF0-84B7-C46C26F88603}"/>
               </a:ext>
             </a:extLst>
           </p:cNvPr>
@@ -6066,35 +6066,6 @@
         </p:pic>
         <p:pic>
           <p:nvPicPr>
-            <p:cNvPr id="3" name="图片 2">
-              <a:extLst>
-                <a:ext uri="{FF2B5EF4-FFF2-40B4-BE49-F238E27FC236}">
-                  <a16:creationId xmlns:a16="http://schemas.microsoft.com/office/drawing/2014/main" id="{51AF9D99-A3D0-7F4B-1B5B-B1BC1B7CF3A3}"/>
-                </a:ext>
-              </a:extLst>
-            </p:cNvPr>
-            <p:cNvPicPr>
-              <a:picLocks noChangeAspect="1"/>
-            </p:cNvPicPr>
-            <p:nvPr/>
-          </p:nvPicPr>
-          <p:blipFill rotWithShape="1">
-            <a:blip r:embed="rId6"/>
-            <a:srcRect r="2878"/>
-            <a:stretch/>
-          </p:blipFill>
-          <p:spPr>
-            <a:xfrm>
-              <a:off x="685759" y="2133574"/>
-              <a:ext cx="1752640" cy="304826"/>
-            </a:xfrm>
-            <a:prstGeom prst="rect">
-              <a:avLst/>
-            </a:prstGeom>
-          </p:spPr>
-        </p:pic>
-        <p:pic>
-          <p:nvPicPr>
             <p:cNvPr id="8" name="图片 7">
               <a:extLst>
                 <a:ext uri="{FF2B5EF4-FFF2-40B4-BE49-F238E27FC236}">
@@ -6108,7 +6079,7 @@
             <p:nvPr/>
           </p:nvPicPr>
           <p:blipFill rotWithShape="1">
-            <a:blip r:embed="rId7"/>
+            <a:blip r:embed="rId6"/>
             <a:srcRect l="17751" t="24640" r="15643" b="38632"/>
             <a:stretch/>
           </p:blipFill>
@@ -6116,6 +6087,36 @@
             <a:xfrm>
               <a:off x="797900" y="1814963"/>
               <a:ext cx="1640500" cy="394083"/>
+            </a:xfrm>
+            <a:prstGeom prst="rect">
+              <a:avLst/>
+            </a:prstGeom>
+          </p:spPr>
+        </p:pic>
+        <p:pic>
+          <p:nvPicPr>
+            <p:cNvPr id="2" name="图片 1">
+              <a:extLst>
+                <a:ext uri="{FF2B5EF4-FFF2-40B4-BE49-F238E27FC236}">
+                  <a16:creationId xmlns:a16="http://schemas.microsoft.com/office/drawing/2014/main" id="{2877CDA4-306E-8829-55DB-2B5069A37CA6}"/>
+                </a:ext>
+              </a:extLst>
+            </p:cNvPr>
+            <p:cNvPicPr>
+              <a:picLocks noChangeAspect="1"/>
+            </p:cNvPicPr>
+            <p:nvPr/>
+          </p:nvPicPr>
+          <p:blipFill>
+            <a:blip r:embed="rId7"/>
+            <a:stretch>
+              <a:fillRect/>
+            </a:stretch>
+          </p:blipFill>
+          <p:spPr>
+            <a:xfrm>
+              <a:off x="993632" y="2133574"/>
+              <a:ext cx="1188823" cy="304826"/>
             </a:xfrm>
             <a:prstGeom prst="rect">
               <a:avLst/>
@@ -6764,8 +6765,8 @@
         </p:nvSpPr>
         <p:spPr>
           <a:xfrm>
-            <a:off x="-2979460" y="484892"/>
-            <a:ext cx="1378904" cy="261610"/>
+            <a:off x="-2672485" y="484892"/>
+            <a:ext cx="764953" cy="261610"/>
           </a:xfrm>
           <a:prstGeom prst="rect">
             <a:avLst/>
@@ -6780,14 +6781,6 @@
           <a:p>
             <a:pPr algn="ctr"/>
             <a:r>
-              <a:rPr lang="en-US" altLang="zh-CN" sz="1100" dirty="0">
-                <a:solidFill>
-                  <a:srgbClr val="2181D0"/>
-                </a:solidFill>
-              </a:rPr>
-              <a:t>booted by </a:t>
-            </a:r>
-            <a:r>
               <a:rPr lang="en-US" altLang="zh-CN" sz="1100" dirty="0" err="1">
                 <a:solidFill>
                   <a:srgbClr val="2181D0"/>
@@ -6805,10 +6798,10 @@
       </p:sp>
       <p:grpSp>
         <p:nvGrpSpPr>
-          <p:cNvPr id="7" name="组合 6">
+          <p:cNvPr id="10" name="组合 9">
             <a:extLst>
               <a:ext uri="{FF2B5EF4-FFF2-40B4-BE49-F238E27FC236}">
-                <a16:creationId xmlns:a16="http://schemas.microsoft.com/office/drawing/2014/main" id="{20333BD6-B4F6-AEE9-4D17-034E569FDAC6}"/>
+                <a16:creationId xmlns:a16="http://schemas.microsoft.com/office/drawing/2014/main" id="{AFA19B46-603A-E3D9-D7AE-BE381B094D5B}"/>
               </a:ext>
             </a:extLst>
           </p:cNvPr>
@@ -6912,10 +6905,10 @@
         </p:pic>
         <p:pic>
           <p:nvPicPr>
-            <p:cNvPr id="6" name="图片 5">
+            <p:cNvPr id="3" name="图片 2">
               <a:extLst>
                 <a:ext uri="{FF2B5EF4-FFF2-40B4-BE49-F238E27FC236}">
-                  <a16:creationId xmlns:a16="http://schemas.microsoft.com/office/drawing/2014/main" id="{B9B08029-C470-DEA2-73AC-B6E91A30F053}"/>
+                  <a16:creationId xmlns:a16="http://schemas.microsoft.com/office/drawing/2014/main" id="{304B470B-9344-D637-435F-FB0CA7923204}"/>
                 </a:ext>
               </a:extLst>
             </p:cNvPr>
@@ -6932,8 +6925,8 @@
           </p:blipFill>
           <p:spPr>
             <a:xfrm>
-              <a:off x="903283" y="2133574"/>
-              <a:ext cx="1377815" cy="304826"/>
+              <a:off x="1237117" y="2133574"/>
+              <a:ext cx="762066" cy="304826"/>
             </a:xfrm>
             <a:prstGeom prst="rect">
               <a:avLst/>
@@ -7072,12 +7065,57 @@
           </a:prstGeom>
         </p:spPr>
       </p:pic>
+      <p:sp>
+        <p:nvSpPr>
+          <p:cNvPr id="9" name="文本框 8">
+            <a:extLst>
+              <a:ext uri="{FF2B5EF4-FFF2-40B4-BE49-F238E27FC236}">
+                <a16:creationId xmlns:a16="http://schemas.microsoft.com/office/drawing/2014/main" id="{1C1543BA-6675-4B6A-E1DB-C8BCD41841A3}"/>
+              </a:ext>
+            </a:extLst>
+          </p:cNvPr>
+          <p:cNvSpPr txBox="1"/>
+          <p:nvPr/>
+        </p:nvSpPr>
+        <p:spPr>
+          <a:xfrm>
+            <a:off x="-2672485" y="484892"/>
+            <a:ext cx="1188146" cy="261610"/>
+          </a:xfrm>
+          <a:prstGeom prst="rect">
+            <a:avLst/>
+          </a:prstGeom>
+          <a:noFill/>
+        </p:spPr>
+        <p:txBody>
+          <a:bodyPr wrap="none" rtlCol="0">
+            <a:spAutoFit/>
+          </a:bodyPr>
+          <a:lstStyle/>
+          <a:p>
+            <a:pPr algn="ctr"/>
+            <a:r>
+              <a:rPr lang="en-US" altLang="zh-CN" sz="1100" dirty="0" err="1">
+                <a:solidFill>
+                  <a:srgbClr val="009900"/>
+                </a:solidFill>
+              </a:rPr>
+              <a:t>CloverBootloader</a:t>
+            </a:r>
+            <a:endParaRPr lang="zh-CN" altLang="en-US" sz="1100" dirty="0">
+              <a:solidFill>
+                <a:srgbClr val="009900"/>
+              </a:solidFill>
+            </a:endParaRPr>
+          </a:p>
+        </p:txBody>
+      </p:sp>
       <p:grpSp>
         <p:nvGrpSpPr>
-          <p:cNvPr id="13" name="组合 12">
+          <p:cNvPr id="4" name="组合 3">
             <a:extLst>
               <a:ext uri="{FF2B5EF4-FFF2-40B4-BE49-F238E27FC236}">
-                <a16:creationId xmlns:a16="http://schemas.microsoft.com/office/drawing/2014/main" id="{6CE25FE0-532E-25B0-BAE2-6DE06D51883F}"/>
+                <a16:creationId xmlns:a16="http://schemas.microsoft.com/office/drawing/2014/main" id="{C263E586-11CD-E399-58F3-65152CB28FC8}"/>
               </a:ext>
             </a:extLst>
           </p:cNvPr>
@@ -7121,168 +7159,95 @@
             </a:prstGeom>
           </p:spPr>
         </p:pic>
-        <p:grpSp>
-          <p:nvGrpSpPr>
-            <p:cNvPr id="12" name="组合 11">
+        <p:pic>
+          <p:nvPicPr>
+            <p:cNvPr id="3" name="图片 2">
               <a:extLst>
                 <a:ext uri="{FF2B5EF4-FFF2-40B4-BE49-F238E27FC236}">
-                  <a16:creationId xmlns:a16="http://schemas.microsoft.com/office/drawing/2014/main" id="{840CE5B2-E2EA-13F2-443B-CAA8F56A8939}"/>
+                  <a16:creationId xmlns:a16="http://schemas.microsoft.com/office/drawing/2014/main" id="{CDEF22FE-ECA6-FE1B-3005-EE14A780FEC0}"/>
                 </a:ext>
               </a:extLst>
             </p:cNvPr>
-            <p:cNvGrpSpPr/>
+            <p:cNvPicPr>
+              <a:picLocks noChangeAspect="1"/>
+            </p:cNvPicPr>
             <p:nvPr/>
-          </p:nvGrpSpPr>
-          <p:grpSpPr>
+          </p:nvPicPr>
+          <p:blipFill rotWithShape="1">
+            <a:blip r:embed="rId5"/>
+            <a:srcRect l="-28198" r="-2" b="-18977"/>
+            <a:stretch/>
+          </p:blipFill>
+          <p:spPr>
             <a:xfrm>
               <a:off x="0" y="1753767"/>
-              <a:ext cx="2438400" cy="684633"/>
-              <a:chOff x="0" y="1753767"/>
-              <a:chExt cx="2438400" cy="684633"/>
+              <a:ext cx="737689" cy="684633"/>
             </a:xfrm>
-          </p:grpSpPr>
-          <p:pic>
-            <p:nvPicPr>
-              <p:cNvPr id="3" name="图片 2">
-                <a:extLst>
-                  <a:ext uri="{FF2B5EF4-FFF2-40B4-BE49-F238E27FC236}">
-                    <a16:creationId xmlns:a16="http://schemas.microsoft.com/office/drawing/2014/main" id="{CDEF22FE-ECA6-FE1B-3005-EE14A780FEC0}"/>
-                  </a:ext>
-                </a:extLst>
-              </p:cNvPr>
-              <p:cNvPicPr>
-                <a:picLocks noChangeAspect="1"/>
-              </p:cNvPicPr>
-              <p:nvPr/>
-            </p:nvPicPr>
-            <p:blipFill rotWithShape="1">
-              <a:blip r:embed="rId5"/>
-              <a:srcRect l="-28198" r="-2" b="-18977"/>
-              <a:stretch/>
-            </p:blipFill>
-            <p:spPr>
-              <a:xfrm>
-                <a:off x="0" y="1753767"/>
-                <a:ext cx="737689" cy="684633"/>
-              </a:xfrm>
-              <a:prstGeom prst="rect">
-                <a:avLst/>
-              </a:prstGeom>
-            </p:spPr>
-          </p:pic>
-          <p:pic>
-            <p:nvPicPr>
-              <p:cNvPr id="7" name="图片 6">
-                <a:extLst>
-                  <a:ext uri="{FF2B5EF4-FFF2-40B4-BE49-F238E27FC236}">
-                    <a16:creationId xmlns:a16="http://schemas.microsoft.com/office/drawing/2014/main" id="{6489F69E-EF8B-BBF5-B1B4-F62E3E6EEBE7}"/>
-                  </a:ext>
-                </a:extLst>
-              </p:cNvPr>
-              <p:cNvPicPr>
-                <a:picLocks noChangeAspect="1"/>
-              </p:cNvPicPr>
-              <p:nvPr/>
-            </p:nvPicPr>
-            <p:blipFill rotWithShape="1">
-              <a:blip r:embed="rId6"/>
-              <a:srcRect l="15306" t="23227" r="15643" b="39229"/>
-              <a:stretch/>
-            </p:blipFill>
-            <p:spPr>
-              <a:xfrm>
-                <a:off x="737689" y="1800025"/>
-                <a:ext cx="1700711" cy="402848"/>
-              </a:xfrm>
-              <a:prstGeom prst="rect">
-                <a:avLst/>
-              </a:prstGeom>
-            </p:spPr>
-          </p:pic>
-          <p:pic>
-            <p:nvPicPr>
-              <p:cNvPr id="11" name="图片 10">
-                <a:extLst>
-                  <a:ext uri="{FF2B5EF4-FFF2-40B4-BE49-F238E27FC236}">
-                    <a16:creationId xmlns:a16="http://schemas.microsoft.com/office/drawing/2014/main" id="{11A0BCAC-E865-D709-E2C5-1941365F4776}"/>
-                  </a:ext>
-                </a:extLst>
-              </p:cNvPr>
-              <p:cNvPicPr>
-                <a:picLocks noChangeAspect="1"/>
-              </p:cNvPicPr>
-              <p:nvPr/>
-            </p:nvPicPr>
-            <p:blipFill rotWithShape="1">
-              <a:blip r:embed="rId7"/>
-              <a:srcRect r="2877"/>
-              <a:stretch/>
-            </p:blipFill>
-            <p:spPr>
-              <a:xfrm>
-                <a:off x="685759" y="2133574"/>
-                <a:ext cx="1752641" cy="304826"/>
-              </a:xfrm>
-              <a:prstGeom prst="rect">
-                <a:avLst/>
-              </a:prstGeom>
-            </p:spPr>
-          </p:pic>
-        </p:grpSp>
+            <a:prstGeom prst="rect">
+              <a:avLst/>
+            </a:prstGeom>
+          </p:spPr>
+        </p:pic>
+        <p:pic>
+          <p:nvPicPr>
+            <p:cNvPr id="7" name="图片 6">
+              <a:extLst>
+                <a:ext uri="{FF2B5EF4-FFF2-40B4-BE49-F238E27FC236}">
+                  <a16:creationId xmlns:a16="http://schemas.microsoft.com/office/drawing/2014/main" id="{6489F69E-EF8B-BBF5-B1B4-F62E3E6EEBE7}"/>
+                </a:ext>
+              </a:extLst>
+            </p:cNvPr>
+            <p:cNvPicPr>
+              <a:picLocks noChangeAspect="1"/>
+            </p:cNvPicPr>
+            <p:nvPr/>
+          </p:nvPicPr>
+          <p:blipFill rotWithShape="1">
+            <a:blip r:embed="rId6"/>
+            <a:srcRect l="15306" t="23227" r="15643" b="39229"/>
+            <a:stretch/>
+          </p:blipFill>
+          <p:spPr>
+            <a:xfrm>
+              <a:off x="737689" y="1800025"/>
+              <a:ext cx="1700711" cy="402848"/>
+            </a:xfrm>
+            <a:prstGeom prst="rect">
+              <a:avLst/>
+            </a:prstGeom>
+          </p:spPr>
+        </p:pic>
+        <p:pic>
+          <p:nvPicPr>
+            <p:cNvPr id="2" name="图片 1">
+              <a:extLst>
+                <a:ext uri="{FF2B5EF4-FFF2-40B4-BE49-F238E27FC236}">
+                  <a16:creationId xmlns:a16="http://schemas.microsoft.com/office/drawing/2014/main" id="{D5E2E09C-7592-F3A1-441E-A18471880D0D}"/>
+                </a:ext>
+              </a:extLst>
+            </p:cNvPr>
+            <p:cNvPicPr>
+              <a:picLocks noChangeAspect="1"/>
+            </p:cNvPicPr>
+            <p:nvPr/>
+          </p:nvPicPr>
+          <p:blipFill>
+            <a:blip r:embed="rId7"/>
+            <a:stretch>
+              <a:fillRect/>
+            </a:stretch>
+          </p:blipFill>
+          <p:spPr>
+            <a:xfrm>
+              <a:off x="993632" y="2133574"/>
+              <a:ext cx="1188823" cy="304826"/>
+            </a:xfrm>
+            <a:prstGeom prst="rect">
+              <a:avLst/>
+            </a:prstGeom>
+          </p:spPr>
+        </p:pic>
       </p:grpSp>
-      <p:sp>
-        <p:nvSpPr>
-          <p:cNvPr id="9" name="文本框 8">
-            <a:extLst>
-              <a:ext uri="{FF2B5EF4-FFF2-40B4-BE49-F238E27FC236}">
-                <a16:creationId xmlns:a16="http://schemas.microsoft.com/office/drawing/2014/main" id="{1C1543BA-6675-4B6A-E1DB-C8BCD41841A3}"/>
-              </a:ext>
-            </a:extLst>
-          </p:cNvPr>
-          <p:cNvSpPr txBox="1"/>
-          <p:nvPr/>
-        </p:nvSpPr>
-        <p:spPr>
-          <a:xfrm>
-            <a:off x="-2979460" y="484892"/>
-            <a:ext cx="1802096" cy="261610"/>
-          </a:xfrm>
-          <a:prstGeom prst="rect">
-            <a:avLst/>
-          </a:prstGeom>
-          <a:noFill/>
-        </p:spPr>
-        <p:txBody>
-          <a:bodyPr wrap="none" rtlCol="0">
-            <a:spAutoFit/>
-          </a:bodyPr>
-          <a:lstStyle/>
-          <a:p>
-            <a:pPr algn="ctr"/>
-            <a:r>
-              <a:rPr lang="en-US" altLang="zh-CN" sz="1100" dirty="0">
-                <a:solidFill>
-                  <a:srgbClr val="009900"/>
-                </a:solidFill>
-              </a:rPr>
-              <a:t>booted by </a:t>
-            </a:r>
-            <a:r>
-              <a:rPr lang="en-US" altLang="zh-CN" sz="1100" dirty="0" err="1">
-                <a:solidFill>
-                  <a:srgbClr val="009900"/>
-                </a:solidFill>
-              </a:rPr>
-              <a:t>CloverBootloader</a:t>
-            </a:r>
-            <a:endParaRPr lang="zh-CN" altLang="en-US" sz="1100" dirty="0">
-              <a:solidFill>
-                <a:srgbClr val="009900"/>
-              </a:solidFill>
-            </a:endParaRPr>
-          </a:p>
-        </p:txBody>
-      </p:sp>
     </p:spTree>
     <p:extLst>
       <p:ext uri="{BB962C8B-B14F-4D97-AF65-F5344CB8AC3E}">
@@ -7477,10 +7442,10 @@
       </p:sp>
       <p:grpSp>
         <p:nvGrpSpPr>
-          <p:cNvPr id="11" name="组合 10">
+          <p:cNvPr id="7" name="组合 6">
             <a:extLst>
               <a:ext uri="{FF2B5EF4-FFF2-40B4-BE49-F238E27FC236}">
-                <a16:creationId xmlns:a16="http://schemas.microsoft.com/office/drawing/2014/main" id="{FF42597F-DCDD-15D2-348A-915EBA1EE4F7}"/>
+                <a16:creationId xmlns:a16="http://schemas.microsoft.com/office/drawing/2014/main" id="{3A7215EE-E19D-9848-AB5B-50CF01306942}"/>
               </a:ext>
             </a:extLst>
           </p:cNvPr>
@@ -7561,36 +7526,6 @@
         </p:pic>
         <p:pic>
           <p:nvPicPr>
-            <p:cNvPr id="3" name="图片 2">
-              <a:extLst>
-                <a:ext uri="{FF2B5EF4-FFF2-40B4-BE49-F238E27FC236}">
-                  <a16:creationId xmlns:a16="http://schemas.microsoft.com/office/drawing/2014/main" id="{7FC44B01-939B-876F-BF46-44CD6363F8DA}"/>
-                </a:ext>
-              </a:extLst>
-            </p:cNvPr>
-            <p:cNvPicPr>
-              <a:picLocks noChangeAspect="1"/>
-            </p:cNvPicPr>
-            <p:nvPr/>
-          </p:nvPicPr>
-          <p:blipFill>
-            <a:blip r:embed="rId6"/>
-            <a:stretch>
-              <a:fillRect/>
-            </a:stretch>
-          </p:blipFill>
-          <p:spPr>
-            <a:xfrm>
-              <a:off x="872800" y="2133574"/>
-              <a:ext cx="1438781" cy="304826"/>
-            </a:xfrm>
-            <a:prstGeom prst="rect">
-              <a:avLst/>
-            </a:prstGeom>
-          </p:spPr>
-        </p:pic>
-        <p:pic>
-          <p:nvPicPr>
             <p:cNvPr id="8" name="图片 7">
               <a:extLst>
                 <a:ext uri="{FF2B5EF4-FFF2-40B4-BE49-F238E27FC236}">
@@ -7604,7 +7539,7 @@
             <p:nvPr/>
           </p:nvPicPr>
           <p:blipFill rotWithShape="1">
-            <a:blip r:embed="rId7"/>
+            <a:blip r:embed="rId6"/>
             <a:srcRect l="17751" t="24640" r="15643" b="38632"/>
             <a:stretch/>
           </p:blipFill>
@@ -7612,6 +7547,36 @@
             <a:xfrm>
               <a:off x="797900" y="1814963"/>
               <a:ext cx="1640500" cy="394083"/>
+            </a:xfrm>
+            <a:prstGeom prst="rect">
+              <a:avLst/>
+            </a:prstGeom>
+          </p:spPr>
+        </p:pic>
+        <p:pic>
+          <p:nvPicPr>
+            <p:cNvPr id="4" name="图片 3">
+              <a:extLst>
+                <a:ext uri="{FF2B5EF4-FFF2-40B4-BE49-F238E27FC236}">
+                  <a16:creationId xmlns:a16="http://schemas.microsoft.com/office/drawing/2014/main" id="{5D576101-CF9C-DEE2-8C80-42D5A57A6EA9}"/>
+                </a:ext>
+              </a:extLst>
+            </p:cNvPr>
+            <p:cNvPicPr>
+              <a:picLocks noChangeAspect="1"/>
+            </p:cNvPicPr>
+            <p:nvPr/>
+          </p:nvPicPr>
+          <p:blipFill>
+            <a:blip r:embed="rId7"/>
+            <a:stretch>
+              <a:fillRect/>
+            </a:stretch>
+          </p:blipFill>
+          <p:spPr>
+            <a:xfrm>
+              <a:off x="1224426" y="2133574"/>
+              <a:ext cx="786452" cy="304826"/>
             </a:xfrm>
             <a:prstGeom prst="rect">
               <a:avLst/>
